--- a/report/presentation/HER - Presentation.pptx
+++ b/report/presentation/HER - Presentation.pptx
@@ -7348,11 +7348,11 @@
             </a:r>
             <a:r>
               <a:rPr lang="en-US" dirty="0" smtClean="0"/>
-              <a:t>built-ins for faster </a:t>
+              <a:t>built-</a:t>
             </a:r>
             <a:r>
               <a:rPr lang="en-US" dirty="0" smtClean="0"/>
-              <a:t>execution:</a:t>
+              <a:t>ins:</a:t>
             </a:r>
             <a:endParaRPr lang="en-US" dirty="0" smtClean="0"/>
           </a:p>
@@ -7439,6 +7439,36 @@
           </a:p>
         </p:txBody>
       </p:sp>
+      <p:pic>
+        <p:nvPicPr>
+          <p:cNvPr id="4" name="Image 3" descr="errorClasses.png"/>
+          <p:cNvPicPr>
+            <a:picLocks noChangeAspect="1"/>
+          </p:cNvPicPr>
+          <p:nvPr/>
+        </p:nvPicPr>
+        <p:blipFill>
+          <a:blip r:embed="rId2">
+            <a:extLst>
+              <a:ext uri="{28A0092B-C50C-407E-A947-70E740481C1C}">
+                <a14:useLocalDpi xmlns:a14="http://schemas.microsoft.com/office/drawing/2010/main" val="0"/>
+              </a:ext>
+            </a:extLst>
+          </a:blip>
+          <a:stretch>
+            <a:fillRect/>
+          </a:stretch>
+        </p:blipFill>
+        <p:spPr>
+          <a:xfrm>
+            <a:off x="4904495" y="673172"/>
+            <a:ext cx="6235704" cy="4676778"/>
+          </a:xfrm>
+          <a:prstGeom prst="rect">
+            <a:avLst/>
+          </a:prstGeom>
+        </p:spPr>
+      </p:pic>
     </p:spTree>
     <p:extLst>
       <p:ext uri="{BB962C8B-B14F-4D97-AF65-F5344CB8AC3E}">
@@ -7449,6 +7479,13 @@
   <p:clrMapOvr>
     <a:masterClrMapping/>
   </p:clrMapOvr>
+  <p:timing>
+    <p:tnLst>
+      <p:par>
+        <p:cTn xmlns:p14="http://schemas.microsoft.com/office/powerpoint/2010/main" id="1" dur="indefinite" restart="never" nodeType="tmRoot"/>
+      </p:par>
+    </p:tnLst>
+  </p:timing>
 </p:sld>
 </file>
 
@@ -7531,8 +7568,12 @@
           <a:p>
             <a:pPr lvl="1"/>
             <a:r>
+              <a:rPr lang="en-US" b="1" dirty="0" smtClean="0"/>
+              <a:t>Best performance</a:t>
+            </a:r>
+            <a:r>
               <a:rPr lang="en-US" dirty="0" smtClean="0"/>
-              <a:t>Best performance: K-</a:t>
+              <a:t>: K-</a:t>
             </a:r>
             <a:r>
               <a:rPr lang="en-US" dirty="0" err="1" smtClean="0"/>
@@ -7543,16 +7584,47 @@
               <a:t> with 32 features </a:t>
             </a:r>
             <a:r>
-              <a:rPr lang="mr-IN" dirty="0" smtClean="0"/>
-              <a:t>–</a:t>
+              <a:rPr lang="en-US" dirty="0" smtClean="0">
+                <a:sym typeface="Wingdings"/>
+              </a:rPr>
+              <a:t></a:t>
             </a:r>
             <a:r>
               <a:rPr lang="en-US" dirty="0" smtClean="0"/>
-              <a:t> error = 32%</a:t>
-            </a:r>
-          </a:p>
-          <a:p>
-            <a:pPr lvl="1"/>
+              <a:t> </a:t>
+            </a:r>
+            <a:r>
+              <a:rPr lang="en-US" dirty="0" smtClean="0"/>
+              <a:t>error = 32</a:t>
+            </a:r>
+            <a:r>
+              <a:rPr lang="en-US" dirty="0" smtClean="0"/>
+              <a:t>%</a:t>
+            </a:r>
+          </a:p>
+          <a:p>
+            <a:pPr marL="0" indent="0">
+              <a:buNone/>
+            </a:pPr>
+            <a:endParaRPr lang="en-US" dirty="0" smtClean="0"/>
+          </a:p>
+          <a:p>
+            <a:r>
+              <a:rPr lang="en-US" dirty="0" smtClean="0"/>
+              <a:t>Time and memory imprint of SVM are quadratic </a:t>
+            </a:r>
+            <a:r>
+              <a:rPr lang="en-US" dirty="0" smtClean="0">
+                <a:sym typeface="Wingdings"/>
+              </a:rPr>
+              <a:t> impossible </a:t>
+            </a:r>
+            <a:r>
+              <a:rPr lang="en-US" dirty="0" smtClean="0">
+                <a:sym typeface="Wingdings"/>
+              </a:rPr>
+              <a:t>with 369 classes</a:t>
+            </a:r>
             <a:endParaRPr lang="en-US" dirty="0" smtClean="0"/>
           </a:p>
           <a:p>
@@ -7582,8 +7654,38 @@
         </p:blipFill>
         <p:spPr>
           <a:xfrm>
-            <a:off x="6738150" y="324608"/>
-            <a:ext cx="4995804" cy="3746853"/>
+            <a:off x="6859748" y="135100"/>
+            <a:ext cx="4845577" cy="3634183"/>
+          </a:xfrm>
+          <a:prstGeom prst="rect">
+            <a:avLst/>
+          </a:prstGeom>
+        </p:spPr>
+      </p:pic>
+      <p:pic>
+        <p:nvPicPr>
+          <p:cNvPr id="5" name="Image 4" descr="timeClasses.png"/>
+          <p:cNvPicPr>
+            <a:picLocks noChangeAspect="1"/>
+          </p:cNvPicPr>
+          <p:nvPr/>
+        </p:nvPicPr>
+        <p:blipFill>
+          <a:blip r:embed="rId3">
+            <a:extLst>
+              <a:ext uri="{28A0092B-C50C-407E-A947-70E740481C1C}">
+                <a14:useLocalDpi xmlns:a14="http://schemas.microsoft.com/office/drawing/2010/main" val="0"/>
+              </a:ext>
+            </a:extLst>
+          </a:blip>
+          <a:stretch>
+            <a:fillRect/>
+          </a:stretch>
+        </p:blipFill>
+        <p:spPr>
+          <a:xfrm>
+            <a:off x="3584561" y="4047088"/>
+            <a:ext cx="3265523" cy="2810912"/>
           </a:xfrm>
           <a:prstGeom prst="rect">
             <a:avLst/>
@@ -7600,6 +7702,13 @@
   <p:clrMapOvr>
     <a:masterClrMapping/>
   </p:clrMapOvr>
+  <p:timing>
+    <p:tnLst>
+      <p:par>
+        <p:cTn xmlns:p14="http://schemas.microsoft.com/office/powerpoint/2010/main" id="1" dur="indefinite" restart="never" nodeType="tmRoot"/>
+      </p:par>
+    </p:tnLst>
+  </p:timing>
 </p:sld>
 </file>
 
@@ -7672,6 +7781,13 @@
   <p:clrMapOvr>
     <a:masterClrMapping/>
   </p:clrMapOvr>
+  <p:timing>
+    <p:tnLst>
+      <p:par>
+        <p:cTn xmlns:p14="http://schemas.microsoft.com/office/powerpoint/2010/main" id="1" dur="indefinite" restart="never" nodeType="tmRoot"/>
+      </p:par>
+    </p:tnLst>
+  </p:timing>
 </p:sld>
 </file>
 
